--- a/paxos/paxos.pptx
+++ b/paxos/paxos.pptx
@@ -7,6 +7,8 @@
   <p:sldIdLst>
     <p:sldId id="256" r:id="rId2"/>
     <p:sldId id="257" r:id="rId3"/>
+    <p:sldId id="258" r:id="rId4"/>
+    <p:sldId id="259" r:id="rId5"/>
   </p:sldIdLst>
   <p:sldSz cx="9144000" cy="6858000" type="screen4x3"/>
   <p:notesSz cx="6858000" cy="9144000"/>
@@ -290,7 +292,7 @@
             <a:fld id="{180E8F06-2489-406C-8CAF-C4117064D018}" type="datetimeFigureOut">
               <a:rPr lang="zh-CN" altLang="en-US" smtClean="0"/>
               <a:pPr/>
-              <a:t>2018/3/28</a:t>
+              <a:t>2018/4/7</a:t>
             </a:fld>
             <a:endParaRPr lang="zh-CN" altLang="en-US"/>
           </a:p>
@@ -457,7 +459,7 @@
             <a:fld id="{180E8F06-2489-406C-8CAF-C4117064D018}" type="datetimeFigureOut">
               <a:rPr lang="zh-CN" altLang="en-US" smtClean="0"/>
               <a:pPr/>
-              <a:t>2018/3/28</a:t>
+              <a:t>2018/4/7</a:t>
             </a:fld>
             <a:endParaRPr lang="zh-CN" altLang="en-US"/>
           </a:p>
@@ -634,7 +636,7 @@
             <a:fld id="{180E8F06-2489-406C-8CAF-C4117064D018}" type="datetimeFigureOut">
               <a:rPr lang="zh-CN" altLang="en-US" smtClean="0"/>
               <a:pPr/>
-              <a:t>2018/3/28</a:t>
+              <a:t>2018/4/7</a:t>
             </a:fld>
             <a:endParaRPr lang="zh-CN" altLang="en-US"/>
           </a:p>
@@ -801,7 +803,7 @@
             <a:fld id="{180E8F06-2489-406C-8CAF-C4117064D018}" type="datetimeFigureOut">
               <a:rPr lang="zh-CN" altLang="en-US" smtClean="0"/>
               <a:pPr/>
-              <a:t>2018/3/28</a:t>
+              <a:t>2018/4/7</a:t>
             </a:fld>
             <a:endParaRPr lang="zh-CN" altLang="en-US"/>
           </a:p>
@@ -1044,7 +1046,7 @@
             <a:fld id="{180E8F06-2489-406C-8CAF-C4117064D018}" type="datetimeFigureOut">
               <a:rPr lang="zh-CN" altLang="en-US" smtClean="0"/>
               <a:pPr/>
-              <a:t>2018/3/28</a:t>
+              <a:t>2018/4/7</a:t>
             </a:fld>
             <a:endParaRPr lang="zh-CN" altLang="en-US"/>
           </a:p>
@@ -1329,7 +1331,7 @@
             <a:fld id="{180E8F06-2489-406C-8CAF-C4117064D018}" type="datetimeFigureOut">
               <a:rPr lang="zh-CN" altLang="en-US" smtClean="0"/>
               <a:pPr/>
-              <a:t>2018/3/28</a:t>
+              <a:t>2018/4/7</a:t>
             </a:fld>
             <a:endParaRPr lang="zh-CN" altLang="en-US"/>
           </a:p>
@@ -1748,7 +1750,7 @@
             <a:fld id="{180E8F06-2489-406C-8CAF-C4117064D018}" type="datetimeFigureOut">
               <a:rPr lang="zh-CN" altLang="en-US" smtClean="0"/>
               <a:pPr/>
-              <a:t>2018/3/28</a:t>
+              <a:t>2018/4/7</a:t>
             </a:fld>
             <a:endParaRPr lang="zh-CN" altLang="en-US"/>
           </a:p>
@@ -1863,7 +1865,7 @@
             <a:fld id="{180E8F06-2489-406C-8CAF-C4117064D018}" type="datetimeFigureOut">
               <a:rPr lang="zh-CN" altLang="en-US" smtClean="0"/>
               <a:pPr/>
-              <a:t>2018/3/28</a:t>
+              <a:t>2018/4/7</a:t>
             </a:fld>
             <a:endParaRPr lang="zh-CN" altLang="en-US"/>
           </a:p>
@@ -1955,7 +1957,7 @@
             <a:fld id="{180E8F06-2489-406C-8CAF-C4117064D018}" type="datetimeFigureOut">
               <a:rPr lang="zh-CN" altLang="en-US" smtClean="0"/>
               <a:pPr/>
-              <a:t>2018/3/28</a:t>
+              <a:t>2018/4/7</a:t>
             </a:fld>
             <a:endParaRPr lang="zh-CN" altLang="en-US"/>
           </a:p>
@@ -2229,7 +2231,7 @@
             <a:fld id="{180E8F06-2489-406C-8CAF-C4117064D018}" type="datetimeFigureOut">
               <a:rPr lang="zh-CN" altLang="en-US" smtClean="0"/>
               <a:pPr/>
-              <a:t>2018/3/28</a:t>
+              <a:t>2018/4/7</a:t>
             </a:fld>
             <a:endParaRPr lang="zh-CN" altLang="en-US"/>
           </a:p>
@@ -2479,7 +2481,7 @@
             <a:fld id="{180E8F06-2489-406C-8CAF-C4117064D018}" type="datetimeFigureOut">
               <a:rPr lang="zh-CN" altLang="en-US" smtClean="0"/>
               <a:pPr/>
-              <a:t>2018/3/28</a:t>
+              <a:t>2018/4/7</a:t>
             </a:fld>
             <a:endParaRPr lang="zh-CN" altLang="en-US"/>
           </a:p>
@@ -2689,7 +2691,7 @@
             <a:fld id="{180E8F06-2489-406C-8CAF-C4117064D018}" type="datetimeFigureOut">
               <a:rPr lang="zh-CN" altLang="en-US" smtClean="0"/>
               <a:pPr/>
-              <a:t>2018/3/28</a:t>
+              <a:t>2018/4/7</a:t>
             </a:fld>
             <a:endParaRPr lang="zh-CN" altLang="en-US"/>
           </a:p>
@@ -3550,19 +3552,7 @@
               <a:rPr lang="zh-CN" altLang="en-US" sz="1400" dirty="0" smtClean="0">
                 <a:latin typeface="+mn-ea"/>
               </a:rPr>
-              <a:t>问题：不能</a:t>
-            </a:r>
-            <a:r>
-              <a:rPr lang="zh-CN" altLang="en-US" sz="1400" dirty="0" smtClean="0">
-                <a:latin typeface="+mn-ea"/>
-              </a:rPr>
-              <a:t>时刻提供</a:t>
-            </a:r>
-            <a:r>
-              <a:rPr lang="zh-CN" altLang="en-US" sz="1400" dirty="0" smtClean="0">
-                <a:latin typeface="+mn-ea"/>
-              </a:rPr>
-              <a:t>服务，可用性低</a:t>
+              <a:t>问题：不能时刻提供服务，可用性低</a:t>
             </a:r>
             <a:endParaRPr lang="zh-CN" altLang="en-US" sz="1400" dirty="0">
               <a:latin typeface="+mn-ea"/>
@@ -3612,37 +3602,7 @@
               <a:rPr lang="zh-CN" altLang="en-US" sz="1400" dirty="0" smtClean="0">
                 <a:latin typeface="+mn-ea"/>
               </a:rPr>
-              <a:t>要求：即使</a:t>
-            </a:r>
-            <a:r>
-              <a:rPr lang="zh-CN" altLang="en-US" sz="1400" dirty="0" smtClean="0">
-                <a:latin typeface="+mn-ea"/>
-              </a:rPr>
-              <a:t>只有一个人提议，也</a:t>
-            </a:r>
-            <a:r>
-              <a:rPr lang="zh-CN" altLang="en-US" sz="1400" dirty="0" smtClean="0">
-                <a:latin typeface="+mn-ea"/>
-              </a:rPr>
-              <a:t>应</a:t>
-            </a:r>
-            <a:r>
-              <a:rPr lang="zh-CN" altLang="en-US" sz="1400" dirty="0" smtClean="0">
-                <a:latin typeface="+mn-ea"/>
-              </a:rPr>
-              <a:t>能</a:t>
-            </a:r>
-            <a:r>
-              <a:rPr lang="zh-CN" altLang="en-US" sz="1400" dirty="0" smtClean="0">
-                <a:latin typeface="+mn-ea"/>
-              </a:rPr>
-              <a:t>形成</a:t>
-            </a:r>
-            <a:r>
-              <a:rPr lang="zh-CN" altLang="en-US" sz="1400" dirty="0" smtClean="0">
-                <a:latin typeface="+mn-ea"/>
-              </a:rPr>
-              <a:t>决议</a:t>
+              <a:t>要求：即使只有一个人提议，也应能形成决议</a:t>
             </a:r>
             <a:endParaRPr lang="zh-CN" altLang="en-US" sz="1400" dirty="0">
               <a:latin typeface="+mn-ea"/>
@@ -3733,49 +3693,31 @@
               <a:rPr lang="zh-CN" altLang="en-US" sz="1400" dirty="0" smtClean="0">
                 <a:latin typeface="+mn-ea"/>
               </a:rPr>
-              <a:t>问题：可能</a:t>
+              <a:t>问题：可能形成僵局</a:t>
+            </a:r>
+            <a:r>
+              <a:rPr lang="en-US" altLang="zh-CN" sz="1400" dirty="0" smtClean="0">
+                <a:latin typeface="+mn-ea"/>
+              </a:rPr>
+              <a:t>(</a:t>
             </a:r>
             <a:r>
               <a:rPr lang="zh-CN" altLang="en-US" sz="1400" dirty="0" smtClean="0">
                 <a:latin typeface="+mn-ea"/>
               </a:rPr>
-              <a:t>形成僵局</a:t>
+              <a:t>考虑</a:t>
             </a:r>
             <a:r>
               <a:rPr lang="en-US" altLang="zh-CN" sz="1400" dirty="0" smtClean="0">
                 <a:latin typeface="+mn-ea"/>
               </a:rPr>
-              <a:t>(</a:t>
+              <a:t>5</a:t>
             </a:r>
             <a:r>
               <a:rPr lang="zh-CN" altLang="en-US" sz="1400" dirty="0" smtClean="0">
                 <a:latin typeface="+mn-ea"/>
               </a:rPr>
-              <a:t>考虑</a:t>
-            </a:r>
-            <a:r>
-              <a:rPr lang="en-US" altLang="zh-CN" sz="1400" dirty="0" smtClean="0">
-                <a:latin typeface="+mn-ea"/>
-              </a:rPr>
-              <a:t>5</a:t>
-            </a:r>
-            <a:r>
-              <a:rPr lang="zh-CN" altLang="en-US" sz="1400" dirty="0" smtClean="0">
-                <a:latin typeface="+mn-ea"/>
-              </a:rPr>
-              <a:t>个</a:t>
-            </a:r>
-            <a:r>
-              <a:rPr lang="zh-CN" altLang="en-US" sz="1400" dirty="0" smtClean="0">
-                <a:latin typeface="+mn-ea"/>
-              </a:rPr>
-              <a:t>委员</a:t>
-            </a:r>
-            <a:r>
-              <a:rPr lang="zh-CN" altLang="en-US" sz="1400" dirty="0" smtClean="0">
-                <a:latin typeface="+mn-ea"/>
-              </a:rPr>
-              <a:t>，四人正常工作，两个提议分别两票</a:t>
+              <a:t>个委员，四人正常工作，两个提议分别两票</a:t>
             </a:r>
             <a:r>
               <a:rPr lang="en-US" altLang="zh-CN" sz="1400" dirty="0" smtClean="0">
@@ -4377,85 +4319,49 @@
               <a:rPr lang="en-US" altLang="zh-CN" sz="1400" dirty="0" smtClean="0">
                 <a:latin typeface="+mn-ea"/>
               </a:rPr>
-              <a:t>P2c</a:t>
+              <a:t>P2c: </a:t>
+            </a:r>
+            <a:r>
+              <a:rPr lang="zh-CN" altLang="en-US" sz="1400" dirty="0" smtClean="0">
+                <a:latin typeface="+mn-ea"/>
+              </a:rPr>
+              <a:t>在提议前，先获得某个多数派</a:t>
             </a:r>
             <a:r>
               <a:rPr lang="en-US" altLang="zh-CN" sz="1400" dirty="0" smtClean="0">
                 <a:latin typeface="+mn-ea"/>
               </a:rPr>
-              <a:t>: </a:t>
+              <a:t>M1</a:t>
             </a:r>
             <a:r>
               <a:rPr lang="zh-CN" altLang="en-US" sz="1400" dirty="0" smtClean="0">
                 <a:latin typeface="+mn-ea"/>
               </a:rPr>
-              <a:t>在提议前，先</a:t>
+              <a:t>回应，若</a:t>
+            </a:r>
+            <a:r>
+              <a:rPr lang="en-US" altLang="zh-CN" sz="1400" dirty="0" smtClean="0">
+                <a:latin typeface="+mn-ea"/>
+              </a:rPr>
+              <a:t>M1</a:t>
             </a:r>
             <a:r>
               <a:rPr lang="zh-CN" altLang="en-US" sz="1400" dirty="0" smtClean="0">
                 <a:latin typeface="+mn-ea"/>
               </a:rPr>
-              <a:t>获得某个多数派</a:t>
+              <a:t>中的</a:t>
             </a:r>
             <a:r>
               <a:rPr lang="en-US" altLang="zh-CN" sz="1400" dirty="0" smtClean="0">
                 <a:latin typeface="+mn-ea"/>
               </a:rPr>
-              <a:t>M1</a:t>
+              <a:t>Voter</a:t>
             </a:r>
             <a:r>
               <a:rPr lang="zh-CN" altLang="en-US" sz="1400" dirty="0" smtClean="0">
                 <a:latin typeface="+mn-ea"/>
               </a:rPr>
-              <a:t>回应，若</a:t>
-            </a:r>
-            <a:r>
-              <a:rPr lang="en-US" altLang="zh-CN" sz="1400" dirty="0" smtClean="0">
-                <a:latin typeface="+mn-ea"/>
-              </a:rPr>
-              <a:t>M1</a:t>
-            </a:r>
-            <a:r>
-              <a:rPr lang="zh-CN" altLang="en-US" sz="1400" dirty="0" smtClean="0">
-                <a:latin typeface="+mn-ea"/>
-              </a:rPr>
-              <a:t>中</a:t>
-            </a:r>
-            <a:r>
-              <a:rPr lang="zh-CN" altLang="en-US" sz="1400" dirty="0" smtClean="0">
-                <a:latin typeface="+mn-ea"/>
-              </a:rPr>
-              <a:t>的</a:t>
-            </a:r>
-            <a:r>
-              <a:rPr lang="en-US" altLang="zh-CN" sz="1400" dirty="0" smtClean="0">
-                <a:latin typeface="+mn-ea"/>
-              </a:rPr>
-              <a:t>Voter</a:t>
-            </a:r>
-            <a:r>
-              <a:rPr lang="zh-CN" altLang="en-US" sz="1400" dirty="0" smtClean="0">
-                <a:latin typeface="+mn-ea"/>
-              </a:rPr>
-              <a:t>都</a:t>
-            </a:r>
-            <a:r>
-              <a:rPr lang="zh-CN" altLang="en-US" sz="1400" dirty="0" smtClean="0">
-                <a:latin typeface="+mn-ea"/>
-              </a:rPr>
-              <a:t>没有接受过任何值，</a:t>
-            </a:r>
-            <a:r>
-              <a:rPr lang="zh-CN" altLang="en-US" sz="1400" dirty="0" smtClean="0">
-                <a:latin typeface="+mn-ea"/>
-              </a:rPr>
-              <a:t>那么之前一定</a:t>
-            </a:r>
-            <a:r>
-              <a:rPr lang="zh-CN" altLang="en-US" sz="1400" dirty="0" smtClean="0">
-                <a:latin typeface="+mn-ea"/>
-              </a:rPr>
-              <a:t>没有选定任何值。否则，取其中</a:t>
+              <a:t>都没有接受过任何值，那么之前一定没有选定任何值。否则，取其中</a:t>
             </a:r>
             <a:r>
               <a:rPr lang="en-US" altLang="zh-CN" sz="1400" dirty="0" smtClean="0">
@@ -4568,24 +4474,18 @@
               <a:rPr lang="zh-CN" altLang="en-US" sz="1400" dirty="0" smtClean="0">
                 <a:latin typeface="+mn-ea"/>
               </a:rPr>
-              <a:t>获得多数派</a:t>
+              <a:t>获得多数派的</a:t>
+            </a:r>
+            <a:r>
+              <a:rPr lang="en-US" altLang="zh-CN" sz="1400" dirty="0" err="1" smtClean="0">
+                <a:latin typeface="+mn-ea"/>
+              </a:rPr>
+              <a:t>Resp</a:t>
             </a:r>
             <a:r>
               <a:rPr lang="zh-CN" altLang="en-US" sz="1400" dirty="0" smtClean="0">
                 <a:latin typeface="+mn-ea"/>
               </a:rPr>
-              <a:t>的</a:t>
-            </a:r>
-            <a:r>
-              <a:rPr lang="en-US" altLang="zh-CN" sz="1400" dirty="0" err="1" smtClean="0">
-                <a:latin typeface="+mn-ea"/>
-              </a:rPr>
-              <a:t>Resp</a:t>
-            </a:r>
-            <a:r>
-              <a:rPr lang="zh-CN" altLang="en-US" sz="1400" dirty="0" smtClean="0">
-                <a:latin typeface="+mn-ea"/>
-              </a:rPr>
               <a:t>和</a:t>
             </a:r>
             <a:r>
@@ -4603,13 +4503,7 @@
               <a:rPr lang="en-US" altLang="zh-CN" sz="1400" dirty="0" smtClean="0">
                 <a:latin typeface="+mn-ea"/>
               </a:rPr>
-              <a:t>2)Accept </a:t>
-            </a:r>
-            <a:r>
-              <a:rPr lang="en-US" altLang="zh-CN" sz="1400" dirty="0" smtClean="0">
-                <a:latin typeface="+mn-ea"/>
-              </a:rPr>
-              <a:t>Request</a:t>
+              <a:t>2)Accept Request</a:t>
             </a:r>
             <a:r>
               <a:rPr lang="zh-CN" altLang="en-US" sz="1400" dirty="0" smtClean="0">
@@ -5062,6 +4956,1177 @@
           </a:p>
         </p:txBody>
       </p:sp>
+    </p:spTree>
+  </p:cSld>
+  <p:clrMapOvr>
+    <a:masterClrMapping/>
+  </p:clrMapOvr>
+</p:sld>
+</file>
+
+<file path=ppt/slides/slide3.xml><?xml version="1.0" encoding="utf-8"?>
+<p:sld xmlns:a="http://schemas.openxmlformats.org/drawingml/2006/main" xmlns:r="http://schemas.openxmlformats.org/officeDocument/2006/relationships" xmlns:p="http://schemas.openxmlformats.org/presentationml/2006/main">
+  <p:cSld>
+    <p:spTree>
+      <p:nvGrpSpPr>
+        <p:cNvPr id="1" name=""/>
+        <p:cNvGrpSpPr/>
+        <p:nvPr/>
+      </p:nvGrpSpPr>
+      <p:grpSpPr>
+        <a:xfrm>
+          <a:off x="0" y="0"/>
+          <a:ext cx="0" cy="0"/>
+          <a:chOff x="0" y="0"/>
+          <a:chExt cx="0" cy="0"/>
+        </a:xfrm>
+      </p:grpSpPr>
+      <p:sp>
+        <p:nvSpPr>
+          <p:cNvPr id="9" name="椭圆 8"/>
+          <p:cNvSpPr/>
+          <p:nvPr/>
+        </p:nvSpPr>
+        <p:spPr>
+          <a:xfrm>
+            <a:off x="323528" y="188640"/>
+            <a:ext cx="2592288" cy="1008112"/>
+          </a:xfrm>
+          <a:prstGeom prst="ellipse">
+            <a:avLst/>
+          </a:prstGeom>
+        </p:spPr>
+        <p:style>
+          <a:lnRef idx="2">
+            <a:schemeClr val="accent6"/>
+          </a:lnRef>
+          <a:fillRef idx="1">
+            <a:schemeClr val="lt1"/>
+          </a:fillRef>
+          <a:effectRef idx="0">
+            <a:schemeClr val="accent6"/>
+          </a:effectRef>
+          <a:fontRef idx="minor">
+            <a:schemeClr val="dk1"/>
+          </a:fontRef>
+        </p:style>
+        <p:txBody>
+          <a:bodyPr rtlCol="0" anchor="ctr"/>
+          <a:lstStyle/>
+          <a:p>
+            <a:pPr algn="ctr"/>
+            <a:endParaRPr lang="en-US" altLang="zh-CN" sz="1400" dirty="0" smtClean="0">
+              <a:latin typeface="+mn-ea"/>
+            </a:endParaRPr>
+          </a:p>
+          <a:p>
+            <a:pPr algn="ctr"/>
+            <a:r>
+              <a:rPr lang="en-US" altLang="zh-CN" sz="1400" dirty="0" err="1" smtClean="0">
+                <a:latin typeface="+mn-ea"/>
+              </a:rPr>
+              <a:t>VotedFor</a:t>
+            </a:r>
+            <a:r>
+              <a:rPr lang="en-US" altLang="zh-CN" sz="1400" dirty="0" smtClean="0">
+                <a:latin typeface="+mn-ea"/>
+              </a:rPr>
+              <a:t>(</a:t>
+            </a:r>
+            <a:r>
+              <a:rPr lang="en-US" altLang="zh-CN" sz="1400" dirty="0" err="1" smtClean="0">
+                <a:latin typeface="+mn-ea"/>
+              </a:rPr>
+              <a:t>a,b,v</a:t>
+            </a:r>
+            <a:r>
+              <a:rPr lang="en-US" altLang="zh-CN" sz="1400" dirty="0" smtClean="0">
+                <a:latin typeface="+mn-ea"/>
+              </a:rPr>
+              <a:t>)</a:t>
+            </a:r>
+            <a:endParaRPr lang="zh-CN" altLang="en-US" sz="1400" dirty="0">
+              <a:latin typeface="+mn-ea"/>
+            </a:endParaRPr>
+          </a:p>
+        </p:txBody>
+      </p:sp>
+      <p:sp>
+        <p:nvSpPr>
+          <p:cNvPr id="20" name="椭圆 19"/>
+          <p:cNvSpPr/>
+          <p:nvPr/>
+        </p:nvSpPr>
+        <p:spPr>
+          <a:xfrm>
+            <a:off x="4644008" y="260648"/>
+            <a:ext cx="2736304" cy="1008112"/>
+          </a:xfrm>
+          <a:prstGeom prst="ellipse">
+            <a:avLst/>
+          </a:prstGeom>
+        </p:spPr>
+        <p:style>
+          <a:lnRef idx="2">
+            <a:schemeClr val="accent4"/>
+          </a:lnRef>
+          <a:fillRef idx="1">
+            <a:schemeClr val="lt1"/>
+          </a:fillRef>
+          <a:effectRef idx="0">
+            <a:schemeClr val="accent4"/>
+          </a:effectRef>
+          <a:fontRef idx="minor">
+            <a:schemeClr val="dk1"/>
+          </a:fontRef>
+        </p:style>
+        <p:txBody>
+          <a:bodyPr rtlCol="0" anchor="ctr"/>
+          <a:lstStyle/>
+          <a:p>
+            <a:pPr algn="ctr"/>
+            <a:endParaRPr lang="en-US" altLang="zh-CN" sz="1400" dirty="0" smtClean="0">
+              <a:latin typeface="+mn-ea"/>
+            </a:endParaRPr>
+          </a:p>
+          <a:p>
+            <a:pPr algn="ctr"/>
+            <a:endParaRPr lang="zh-CN" altLang="en-US" sz="1400" dirty="0">
+              <a:latin typeface="+mn-ea"/>
+            </a:endParaRPr>
+          </a:p>
+        </p:txBody>
+      </p:sp>
+      <p:sp>
+        <p:nvSpPr>
+          <p:cNvPr id="23" name="椭圆 22"/>
+          <p:cNvSpPr/>
+          <p:nvPr/>
+        </p:nvSpPr>
+        <p:spPr>
+          <a:xfrm>
+            <a:off x="4644008" y="2060848"/>
+            <a:ext cx="2592288" cy="1008112"/>
+          </a:xfrm>
+          <a:prstGeom prst="ellipse">
+            <a:avLst/>
+          </a:prstGeom>
+        </p:spPr>
+        <p:style>
+          <a:lnRef idx="2">
+            <a:schemeClr val="accent4"/>
+          </a:lnRef>
+          <a:fillRef idx="1">
+            <a:schemeClr val="lt1"/>
+          </a:fillRef>
+          <a:effectRef idx="0">
+            <a:schemeClr val="accent4"/>
+          </a:effectRef>
+          <a:fontRef idx="minor">
+            <a:schemeClr val="dk1"/>
+          </a:fontRef>
+        </p:style>
+        <p:txBody>
+          <a:bodyPr rtlCol="0" anchor="ctr"/>
+          <a:lstStyle/>
+          <a:p>
+            <a:pPr algn="ctr"/>
+            <a:endParaRPr lang="en-US" altLang="zh-CN" sz="1400" dirty="0" smtClean="0">
+              <a:latin typeface="+mn-ea"/>
+            </a:endParaRPr>
+          </a:p>
+          <a:p>
+            <a:pPr algn="ctr"/>
+            <a:endParaRPr lang="zh-CN" altLang="en-US" sz="1400" dirty="0">
+              <a:latin typeface="+mn-ea"/>
+            </a:endParaRPr>
+          </a:p>
+        </p:txBody>
+      </p:sp>
+      <p:sp>
+        <p:nvSpPr>
+          <p:cNvPr id="24" name="椭圆 23"/>
+          <p:cNvSpPr/>
+          <p:nvPr/>
+        </p:nvSpPr>
+        <p:spPr>
+          <a:xfrm>
+            <a:off x="4788024" y="4509120"/>
+            <a:ext cx="2592288" cy="1008112"/>
+          </a:xfrm>
+          <a:prstGeom prst="ellipse">
+            <a:avLst/>
+          </a:prstGeom>
+        </p:spPr>
+        <p:style>
+          <a:lnRef idx="2">
+            <a:schemeClr val="accent4"/>
+          </a:lnRef>
+          <a:fillRef idx="1">
+            <a:schemeClr val="lt1"/>
+          </a:fillRef>
+          <a:effectRef idx="0">
+            <a:schemeClr val="accent4"/>
+          </a:effectRef>
+          <a:fontRef idx="minor">
+            <a:schemeClr val="dk1"/>
+          </a:fontRef>
+        </p:style>
+        <p:txBody>
+          <a:bodyPr rtlCol="0" anchor="ctr"/>
+          <a:lstStyle/>
+          <a:p>
+            <a:pPr algn="ctr"/>
+            <a:endParaRPr lang="en-US" altLang="zh-CN" sz="1400" dirty="0" smtClean="0">
+              <a:latin typeface="+mn-ea"/>
+            </a:endParaRPr>
+          </a:p>
+          <a:p>
+            <a:pPr algn="ctr"/>
+            <a:endParaRPr lang="zh-CN" altLang="en-US" sz="1400" dirty="0">
+              <a:latin typeface="+mn-ea"/>
+            </a:endParaRPr>
+          </a:p>
+        </p:txBody>
+      </p:sp>
+      <p:sp>
+        <p:nvSpPr>
+          <p:cNvPr id="25" name="椭圆 24"/>
+          <p:cNvSpPr/>
+          <p:nvPr/>
+        </p:nvSpPr>
+        <p:spPr>
+          <a:xfrm>
+            <a:off x="0" y="3933056"/>
+            <a:ext cx="3744416" cy="2448272"/>
+          </a:xfrm>
+          <a:prstGeom prst="ellipse">
+            <a:avLst/>
+          </a:prstGeom>
+        </p:spPr>
+        <p:style>
+          <a:lnRef idx="2">
+            <a:schemeClr val="accent4"/>
+          </a:lnRef>
+          <a:fillRef idx="1">
+            <a:schemeClr val="lt1"/>
+          </a:fillRef>
+          <a:effectRef idx="0">
+            <a:schemeClr val="accent4"/>
+          </a:effectRef>
+          <a:fontRef idx="minor">
+            <a:schemeClr val="dk1"/>
+          </a:fontRef>
+        </p:style>
+        <p:txBody>
+          <a:bodyPr rtlCol="0" anchor="ctr"/>
+          <a:lstStyle/>
+          <a:p>
+            <a:pPr algn="ctr"/>
+            <a:endParaRPr lang="en-US" altLang="zh-CN" sz="1400" dirty="0" smtClean="0">
+              <a:latin typeface="+mn-ea"/>
+            </a:endParaRPr>
+          </a:p>
+          <a:p>
+            <a:pPr algn="ctr"/>
+            <a:endParaRPr lang="zh-CN" altLang="en-US" sz="1400" dirty="0">
+              <a:latin typeface="+mn-ea"/>
+            </a:endParaRPr>
+          </a:p>
+        </p:txBody>
+      </p:sp>
+      <p:sp>
+        <p:nvSpPr>
+          <p:cNvPr id="26" name="椭圆 25"/>
+          <p:cNvSpPr/>
+          <p:nvPr/>
+        </p:nvSpPr>
+        <p:spPr>
+          <a:xfrm>
+            <a:off x="251520" y="1772816"/>
+            <a:ext cx="3168352" cy="1584176"/>
+          </a:xfrm>
+          <a:prstGeom prst="ellipse">
+            <a:avLst/>
+          </a:prstGeom>
+        </p:spPr>
+        <p:style>
+          <a:lnRef idx="2">
+            <a:schemeClr val="accent6"/>
+          </a:lnRef>
+          <a:fillRef idx="1">
+            <a:schemeClr val="lt1"/>
+          </a:fillRef>
+          <a:effectRef idx="0">
+            <a:schemeClr val="accent6"/>
+          </a:effectRef>
+          <a:fontRef idx="minor">
+            <a:schemeClr val="dk1"/>
+          </a:fontRef>
+        </p:style>
+        <p:txBody>
+          <a:bodyPr rtlCol="0" anchor="ctr"/>
+          <a:lstStyle/>
+          <a:p>
+            <a:pPr algn="ctr"/>
+            <a:endParaRPr lang="zh-CN" altLang="en-US" sz="1400" dirty="0" smtClean="0">
+              <a:latin typeface="+mn-ea"/>
+            </a:endParaRPr>
+          </a:p>
+        </p:txBody>
+      </p:sp>
+      <p:sp>
+        <p:nvSpPr>
+          <p:cNvPr id="27" name="虚尾箭头 26"/>
+          <p:cNvSpPr/>
+          <p:nvPr/>
+        </p:nvSpPr>
+        <p:spPr>
+          <a:xfrm rot="10800000">
+            <a:off x="2987824" y="692696"/>
+            <a:ext cx="1656184" cy="144016"/>
+          </a:xfrm>
+          <a:prstGeom prst="stripedRightArrow">
+            <a:avLst/>
+          </a:prstGeom>
+        </p:spPr>
+        <p:style>
+          <a:lnRef idx="1">
+            <a:schemeClr val="accent4"/>
+          </a:lnRef>
+          <a:fillRef idx="3">
+            <a:schemeClr val="accent4"/>
+          </a:fillRef>
+          <a:effectRef idx="2">
+            <a:schemeClr val="accent4"/>
+          </a:effectRef>
+          <a:fontRef idx="minor">
+            <a:schemeClr val="lt1"/>
+          </a:fontRef>
+        </p:style>
+        <p:txBody>
+          <a:bodyPr rtlCol="0" anchor="ctr"/>
+          <a:lstStyle/>
+          <a:p>
+            <a:pPr algn="ctr"/>
+            <a:endParaRPr lang="zh-CN" altLang="en-US" sz="1400" dirty="0" smtClean="0">
+              <a:solidFill>
+                <a:schemeClr val="lt1"/>
+              </a:solidFill>
+              <a:latin typeface="+mn-ea"/>
+            </a:endParaRPr>
+          </a:p>
+        </p:txBody>
+      </p:sp>
+      <p:sp>
+        <p:nvSpPr>
+          <p:cNvPr id="31" name="虚尾箭头 30"/>
+          <p:cNvSpPr/>
+          <p:nvPr/>
+        </p:nvSpPr>
+        <p:spPr>
+          <a:xfrm rot="16200000">
+            <a:off x="5580112" y="1556792"/>
+            <a:ext cx="720080" cy="144016"/>
+          </a:xfrm>
+          <a:prstGeom prst="stripedRightArrow">
+            <a:avLst/>
+          </a:prstGeom>
+        </p:spPr>
+        <p:style>
+          <a:lnRef idx="1">
+            <a:schemeClr val="accent4"/>
+          </a:lnRef>
+          <a:fillRef idx="3">
+            <a:schemeClr val="accent4"/>
+          </a:fillRef>
+          <a:effectRef idx="2">
+            <a:schemeClr val="accent4"/>
+          </a:effectRef>
+          <a:fontRef idx="minor">
+            <a:schemeClr val="lt1"/>
+          </a:fontRef>
+        </p:style>
+        <p:txBody>
+          <a:bodyPr rtlCol="0" anchor="ctr"/>
+          <a:lstStyle/>
+          <a:p>
+            <a:pPr algn="ctr"/>
+            <a:endParaRPr lang="zh-CN" altLang="en-US" sz="1400" dirty="0" smtClean="0">
+              <a:latin typeface="+mn-ea"/>
+            </a:endParaRPr>
+          </a:p>
+        </p:txBody>
+      </p:sp>
+      <p:sp>
+        <p:nvSpPr>
+          <p:cNvPr id="33" name="虚尾箭头 32"/>
+          <p:cNvSpPr/>
+          <p:nvPr/>
+        </p:nvSpPr>
+        <p:spPr>
+          <a:xfrm>
+            <a:off x="3923928" y="5072410"/>
+            <a:ext cx="720080" cy="144016"/>
+          </a:xfrm>
+          <a:prstGeom prst="stripedRightArrow">
+            <a:avLst/>
+          </a:prstGeom>
+        </p:spPr>
+        <p:style>
+          <a:lnRef idx="1">
+            <a:schemeClr val="accent4"/>
+          </a:lnRef>
+          <a:fillRef idx="3">
+            <a:schemeClr val="accent4"/>
+          </a:fillRef>
+          <a:effectRef idx="2">
+            <a:schemeClr val="accent4"/>
+          </a:effectRef>
+          <a:fontRef idx="minor">
+            <a:schemeClr val="lt1"/>
+          </a:fontRef>
+        </p:style>
+        <p:txBody>
+          <a:bodyPr rtlCol="0" anchor="ctr"/>
+          <a:lstStyle/>
+          <a:p>
+            <a:pPr algn="ctr"/>
+            <a:endParaRPr lang="zh-CN" altLang="en-US" sz="1400" dirty="0" smtClean="0">
+              <a:latin typeface="+mn-ea"/>
+            </a:endParaRPr>
+          </a:p>
+        </p:txBody>
+      </p:sp>
+      <p:sp>
+        <p:nvSpPr>
+          <p:cNvPr id="37" name="虚尾箭头 36"/>
+          <p:cNvSpPr/>
+          <p:nvPr/>
+        </p:nvSpPr>
+        <p:spPr>
+          <a:xfrm rot="16200000" flipV="1">
+            <a:off x="1547664" y="3573015"/>
+            <a:ext cx="576064" cy="144017"/>
+          </a:xfrm>
+          <a:prstGeom prst="stripedRightArrow">
+            <a:avLst/>
+          </a:prstGeom>
+        </p:spPr>
+        <p:style>
+          <a:lnRef idx="2">
+            <a:schemeClr val="accent1"/>
+          </a:lnRef>
+          <a:fillRef idx="1">
+            <a:schemeClr val="lt1"/>
+          </a:fillRef>
+          <a:effectRef idx="0">
+            <a:schemeClr val="accent1"/>
+          </a:effectRef>
+          <a:fontRef idx="minor">
+            <a:schemeClr val="dk1"/>
+          </a:fontRef>
+        </p:style>
+        <p:txBody>
+          <a:bodyPr rtlCol="0" anchor="ctr"/>
+          <a:lstStyle/>
+          <a:p>
+            <a:pPr algn="ctr"/>
+            <a:endParaRPr lang="zh-CN" altLang="en-US" sz="1400" dirty="0" smtClean="0">
+              <a:latin typeface="+mn-ea"/>
+            </a:endParaRPr>
+          </a:p>
+        </p:txBody>
+      </p:sp>
+      <p:sp>
+        <p:nvSpPr>
+          <p:cNvPr id="41" name="虚尾箭头 40"/>
+          <p:cNvSpPr/>
+          <p:nvPr/>
+        </p:nvSpPr>
+        <p:spPr>
+          <a:xfrm rot="16200000">
+            <a:off x="5256076" y="3681028"/>
+            <a:ext cx="1368152" cy="144016"/>
+          </a:xfrm>
+          <a:prstGeom prst="stripedRightArrow">
+            <a:avLst/>
+          </a:prstGeom>
+        </p:spPr>
+        <p:style>
+          <a:lnRef idx="1">
+            <a:schemeClr val="accent4"/>
+          </a:lnRef>
+          <a:fillRef idx="3">
+            <a:schemeClr val="accent4"/>
+          </a:fillRef>
+          <a:effectRef idx="2">
+            <a:schemeClr val="accent4"/>
+          </a:effectRef>
+          <a:fontRef idx="minor">
+            <a:schemeClr val="lt1"/>
+          </a:fontRef>
+        </p:style>
+        <p:txBody>
+          <a:bodyPr rtlCol="0" anchor="ctr"/>
+          <a:lstStyle/>
+          <a:p>
+            <a:pPr algn="ctr"/>
+            <a:endParaRPr lang="zh-CN" altLang="en-US" sz="1400" dirty="0" smtClean="0">
+              <a:latin typeface="+mn-ea"/>
+            </a:endParaRPr>
+          </a:p>
+        </p:txBody>
+      </p:sp>
+    </p:spTree>
+  </p:cSld>
+  <p:clrMapOvr>
+    <a:masterClrMapping/>
+  </p:clrMapOvr>
+</p:sld>
+</file>
+
+<file path=ppt/slides/slide4.xml><?xml version="1.0" encoding="utf-8"?>
+<p:sld xmlns:a="http://schemas.openxmlformats.org/drawingml/2006/main" xmlns:r="http://schemas.openxmlformats.org/officeDocument/2006/relationships" xmlns:p="http://schemas.openxmlformats.org/presentationml/2006/main">
+  <p:cSld>
+    <p:spTree>
+      <p:nvGrpSpPr>
+        <p:cNvPr id="1" name=""/>
+        <p:cNvGrpSpPr/>
+        <p:nvPr/>
+      </p:nvGrpSpPr>
+      <p:grpSpPr>
+        <a:xfrm>
+          <a:off x="0" y="0"/>
+          <a:ext cx="0" cy="0"/>
+          <a:chOff x="0" y="0"/>
+          <a:chExt cx="0" cy="0"/>
+        </a:xfrm>
+      </p:grpSpPr>
+      <p:graphicFrame>
+        <p:nvGraphicFramePr>
+          <p:cNvPr id="13" name="表格 12"/>
+          <p:cNvGraphicFramePr>
+            <a:graphicFrameLocks noGrp="1"/>
+          </p:cNvGraphicFramePr>
+          <p:nvPr/>
+        </p:nvGraphicFramePr>
+        <p:xfrm>
+          <a:off x="899592" y="764704"/>
+          <a:ext cx="7296473" cy="5379720"/>
+        </p:xfrm>
+        <a:graphic>
+          <a:graphicData uri="http://schemas.openxmlformats.org/drawingml/2006/table">
+            <a:tbl>
+              <a:tblPr firstRow="1" bandRow="1">
+                <a:tableStyleId>{5C22544A-7EE6-4342-B048-85BDC9FD1C3A}</a:tableStyleId>
+              </a:tblPr>
+              <a:tblGrid>
+                <a:gridCol w="4032448"/>
+                <a:gridCol w="1584176"/>
+                <a:gridCol w="1679849"/>
+              </a:tblGrid>
+              <a:tr h="370840">
+                <a:tc>
+                  <a:txBody>
+                    <a:bodyPr/>
+                    <a:lstStyle/>
+                    <a:p>
+                      <a:endParaRPr lang="zh-CN" altLang="en-US" dirty="0"/>
+                    </a:p>
+                  </a:txBody>
+                  <a:tcPr/>
+                </a:tc>
+                <a:tc>
+                  <a:txBody>
+                    <a:bodyPr/>
+                    <a:lstStyle/>
+                    <a:p>
+                      <a:endParaRPr lang="zh-CN" altLang="en-US"/>
+                    </a:p>
+                  </a:txBody>
+                  <a:tcPr/>
+                </a:tc>
+                <a:tc>
+                  <a:txBody>
+                    <a:bodyPr/>
+                    <a:lstStyle/>
+                    <a:p>
+                      <a:endParaRPr lang="zh-CN" altLang="en-US"/>
+                    </a:p>
+                  </a:txBody>
+                  <a:tcPr/>
+                </a:tc>
+              </a:tr>
+              <a:tr h="370840">
+                <a:tc>
+                  <a:txBody>
+                    <a:bodyPr/>
+                    <a:lstStyle/>
+                    <a:p>
+                      <a:pPr marL="0" marR="0" indent="0" algn="l" defTabSz="914400" rtl="0" eaLnBrk="1" fontAlgn="auto" latinLnBrk="0" hangingPunct="1">
+                        <a:lnSpc>
+                          <a:spcPct val="100000"/>
+                        </a:lnSpc>
+                        <a:spcBef>
+                          <a:spcPts val="0"/>
+                        </a:spcBef>
+                        <a:spcAft>
+                          <a:spcPts val="0"/>
+                        </a:spcAft>
+                        <a:buClrTx/>
+                        <a:buSzTx/>
+                        <a:buFontTx/>
+                        <a:buNone/>
+                        <a:tabLst/>
+                        <a:defRPr/>
+                      </a:pPr>
+                      <a:r>
+                        <a:rPr lang="en-US" altLang="zh-CN" sz="1600" dirty="0" smtClean="0">
+                          <a:latin typeface="+mn-ea"/>
+                        </a:rPr>
+                        <a:t>P2</a:t>
+                      </a:r>
+                      <a:r>
+                        <a:rPr lang="zh-CN" altLang="en-US" sz="1600" dirty="0" smtClean="0">
+                          <a:latin typeface="+mn-ea"/>
+                        </a:rPr>
+                        <a:t>，一旦</a:t>
+                      </a:r>
+                      <a:r>
+                        <a:rPr lang="en-US" altLang="zh-CN" sz="1600" dirty="0" smtClean="0">
+                          <a:latin typeface="+mn-ea"/>
+                        </a:rPr>
+                        <a:t>value v</a:t>
+                      </a:r>
+                      <a:r>
+                        <a:rPr lang="zh-CN" altLang="en-US" sz="1600" dirty="0" smtClean="0">
+                          <a:latin typeface="+mn-ea"/>
+                        </a:rPr>
+                        <a:t>被选定，后续</a:t>
+                      </a:r>
+                      <a:r>
+                        <a:rPr lang="en-US" altLang="zh-CN" sz="1600" dirty="0" smtClean="0">
+                          <a:latin typeface="+mn-ea"/>
+                        </a:rPr>
+                        <a:t>(</a:t>
+                      </a:r>
+                      <a:r>
+                        <a:rPr lang="zh-CN" altLang="en-US" sz="1600" dirty="0" smtClean="0">
+                          <a:latin typeface="+mn-ea"/>
+                        </a:rPr>
+                        <a:t>更大</a:t>
+                      </a:r>
+                      <a:r>
+                        <a:rPr lang="en-US" altLang="zh-CN" sz="1600" dirty="0" smtClean="0">
+                          <a:latin typeface="+mn-ea"/>
+                        </a:rPr>
+                        <a:t>PN)</a:t>
+                      </a:r>
+                      <a:r>
+                        <a:rPr lang="zh-CN" altLang="en-US" sz="1600" dirty="0" smtClean="0">
+                          <a:latin typeface="+mn-ea"/>
+                        </a:rPr>
+                        <a:t>被选中的只能是</a:t>
+                      </a:r>
+                      <a:r>
+                        <a:rPr lang="en-US" altLang="zh-CN" sz="1600" dirty="0" smtClean="0">
+                          <a:latin typeface="+mn-ea"/>
+                        </a:rPr>
+                        <a:t>v</a:t>
+                      </a:r>
+                      <a:endParaRPr lang="zh-CN" altLang="en-US" sz="1600" dirty="0" smtClean="0">
+                        <a:latin typeface="+mn-ea"/>
+                      </a:endParaRPr>
+                    </a:p>
+                    <a:p>
+                      <a:endParaRPr lang="zh-CN" altLang="en-US" sz="1600" dirty="0"/>
+                    </a:p>
+                  </a:txBody>
+                  <a:tcPr/>
+                </a:tc>
+                <a:tc>
+                  <a:txBody>
+                    <a:bodyPr/>
+                    <a:lstStyle/>
+                    <a:p>
+                      <a:r>
+                        <a:rPr lang="en-US" altLang="zh-CN" sz="1600" dirty="0" smtClean="0"/>
+                        <a:t>Consensus</a:t>
+                      </a:r>
+                      <a:r>
+                        <a:rPr lang="zh-CN" altLang="en-US" sz="1600" dirty="0" smtClean="0"/>
+                        <a:t>中的</a:t>
+                      </a:r>
+                      <a:r>
+                        <a:rPr lang="en-US" altLang="zh-CN" sz="1600" dirty="0" smtClean="0"/>
+                        <a:t>Inv</a:t>
+                      </a:r>
+                      <a:r>
+                        <a:rPr lang="en-US" altLang="zh-CN" sz="1600" baseline="0" dirty="0" smtClean="0"/>
+                        <a:t> : Cardinality(chosen) &lt;= 1</a:t>
+                      </a:r>
+                      <a:endParaRPr lang="zh-CN" altLang="en-US" sz="1600" dirty="0"/>
+                    </a:p>
+                  </a:txBody>
+                  <a:tcPr/>
+                </a:tc>
+                <a:tc>
+                  <a:txBody>
+                    <a:bodyPr/>
+                    <a:lstStyle/>
+                    <a:p>
+                      <a:r>
+                        <a:rPr lang="en-US" altLang="zh-CN" sz="1600" dirty="0" smtClean="0"/>
+                        <a:t>Voting</a:t>
+                      </a:r>
+                      <a:r>
+                        <a:rPr lang="zh-CN" altLang="en-US" sz="1600" dirty="0" smtClean="0"/>
+                        <a:t>里面的</a:t>
+                      </a:r>
+                      <a:r>
+                        <a:rPr lang="en-US" altLang="zh-CN" sz="1600" dirty="0" smtClean="0"/>
+                        <a:t>Theorem: </a:t>
+                      </a:r>
+                      <a:r>
+                        <a:rPr lang="en-US" altLang="zh-CN" sz="1600" dirty="0" err="1" smtClean="0"/>
+                        <a:t>VotesSafeImpliesConsistency</a:t>
+                      </a:r>
+                      <a:endParaRPr lang="zh-CN" altLang="en-US" sz="1600" dirty="0"/>
+                    </a:p>
+                  </a:txBody>
+                  <a:tcPr/>
+                </a:tc>
+              </a:tr>
+              <a:tr h="370840">
+                <a:tc>
+                  <a:txBody>
+                    <a:bodyPr/>
+                    <a:lstStyle/>
+                    <a:p>
+                      <a:pPr marL="0" marR="0" indent="0" algn="l" defTabSz="914400" rtl="0" eaLnBrk="1" fontAlgn="auto" latinLnBrk="0" hangingPunct="1">
+                        <a:lnSpc>
+                          <a:spcPct val="100000"/>
+                        </a:lnSpc>
+                        <a:spcBef>
+                          <a:spcPts val="0"/>
+                        </a:spcBef>
+                        <a:spcAft>
+                          <a:spcPts val="0"/>
+                        </a:spcAft>
+                        <a:buClrTx/>
+                        <a:buSzTx/>
+                        <a:buFontTx/>
+                        <a:buNone/>
+                        <a:tabLst/>
+                        <a:defRPr/>
+                      </a:pPr>
+                      <a:r>
+                        <a:rPr lang="en-US" altLang="zh-CN" sz="1600" dirty="0" smtClean="0">
+                          <a:latin typeface="+mn-ea"/>
+                        </a:rPr>
+                        <a:t>P2a:</a:t>
+                      </a:r>
+                      <a:r>
+                        <a:rPr lang="zh-CN" altLang="en-US" sz="1600" dirty="0" smtClean="0">
+                          <a:latin typeface="+mn-ea"/>
+                        </a:rPr>
+                        <a:t>一旦</a:t>
+                      </a:r>
+                      <a:r>
+                        <a:rPr lang="en-US" altLang="zh-CN" sz="1600" dirty="0" smtClean="0">
+                          <a:latin typeface="+mn-ea"/>
+                        </a:rPr>
+                        <a:t>v</a:t>
+                      </a:r>
+                      <a:r>
+                        <a:rPr lang="zh-CN" altLang="en-US" sz="1600" dirty="0" smtClean="0">
+                          <a:latin typeface="+mn-ea"/>
+                        </a:rPr>
+                        <a:t>被选定，则每个</a:t>
+                      </a:r>
+                      <a:r>
+                        <a:rPr lang="en-US" altLang="zh-CN" sz="1600" dirty="0" smtClean="0">
+                          <a:latin typeface="+mn-ea"/>
+                        </a:rPr>
+                        <a:t>Voter</a:t>
+                      </a:r>
+                      <a:r>
+                        <a:rPr lang="zh-CN" altLang="en-US" sz="1600" dirty="0" smtClean="0">
+                          <a:latin typeface="+mn-ea"/>
+                        </a:rPr>
+                        <a:t>后续只能接受</a:t>
+                      </a:r>
+                      <a:r>
+                        <a:rPr lang="en-US" altLang="zh-CN" sz="1600" dirty="0" smtClean="0">
+                          <a:latin typeface="+mn-ea"/>
+                        </a:rPr>
+                        <a:t>v</a:t>
+                      </a:r>
+                      <a:endParaRPr lang="zh-CN" altLang="en-US" sz="1600" dirty="0" smtClean="0">
+                        <a:latin typeface="+mn-ea"/>
+                      </a:endParaRPr>
+                    </a:p>
+                    <a:p>
+                      <a:endParaRPr lang="zh-CN" altLang="en-US" sz="1600" dirty="0"/>
+                    </a:p>
+                  </a:txBody>
+                  <a:tcPr/>
+                </a:tc>
+                <a:tc>
+                  <a:txBody>
+                    <a:bodyPr/>
+                    <a:lstStyle/>
+                    <a:p>
+                      <a:r>
+                        <a:rPr lang="en-US" altLang="zh-CN" sz="1600" dirty="0" smtClean="0"/>
+                        <a:t>Voting</a:t>
+                      </a:r>
+                      <a:r>
+                        <a:rPr lang="zh-CN" altLang="en-US" sz="1600" dirty="0" smtClean="0"/>
+                        <a:t>里面的</a:t>
+                      </a:r>
+                      <a:r>
+                        <a:rPr lang="en-US" altLang="zh-CN" sz="1600" dirty="0" err="1" smtClean="0"/>
+                        <a:t>VotesSafe</a:t>
+                      </a:r>
+                      <a:r>
+                        <a:rPr lang="en-US" altLang="zh-CN" sz="1600" dirty="0" smtClean="0"/>
+                        <a:t>? </a:t>
+                      </a:r>
+                      <a:endParaRPr lang="zh-CN" altLang="en-US" sz="1600" dirty="0"/>
+                    </a:p>
+                  </a:txBody>
+                  <a:tcPr/>
+                </a:tc>
+                <a:tc>
+                  <a:txBody>
+                    <a:bodyPr/>
+                    <a:lstStyle/>
+                    <a:p>
+                      <a:r>
+                        <a:rPr lang="en-US" altLang="zh-CN" sz="1600" dirty="0" err="1" smtClean="0"/>
+                        <a:t>VotesSafe</a:t>
+                      </a:r>
+                      <a:r>
+                        <a:rPr lang="zh-CN" altLang="en-US" sz="1600" dirty="0" smtClean="0"/>
+                        <a:t>是从另外一个角度说的：如果之前</a:t>
+                      </a:r>
+                      <a:endParaRPr lang="zh-CN" altLang="en-US" sz="1600" dirty="0"/>
+                    </a:p>
+                  </a:txBody>
+                  <a:tcPr/>
+                </a:tc>
+              </a:tr>
+              <a:tr h="370840">
+                <a:tc>
+                  <a:txBody>
+                    <a:bodyPr/>
+                    <a:lstStyle/>
+                    <a:p>
+                      <a:pPr marL="0" marR="0" indent="0" algn="l" defTabSz="914400" rtl="0" eaLnBrk="1" fontAlgn="auto" latinLnBrk="0" hangingPunct="1">
+                        <a:lnSpc>
+                          <a:spcPct val="100000"/>
+                        </a:lnSpc>
+                        <a:spcBef>
+                          <a:spcPts val="0"/>
+                        </a:spcBef>
+                        <a:spcAft>
+                          <a:spcPts val="0"/>
+                        </a:spcAft>
+                        <a:buClrTx/>
+                        <a:buSzTx/>
+                        <a:buFontTx/>
+                        <a:buNone/>
+                        <a:tabLst/>
+                        <a:defRPr/>
+                      </a:pPr>
+                      <a:r>
+                        <a:rPr lang="en-US" altLang="zh-CN" sz="1600" dirty="0" smtClean="0">
+                          <a:latin typeface="+mn-ea"/>
+                        </a:rPr>
+                        <a:t>P2b:</a:t>
+                      </a:r>
+                      <a:r>
+                        <a:rPr lang="zh-CN" altLang="en-US" sz="1600" dirty="0" smtClean="0">
+                          <a:latin typeface="+mn-ea"/>
+                        </a:rPr>
+                        <a:t>一旦</a:t>
+                      </a:r>
+                      <a:r>
+                        <a:rPr lang="en-US" altLang="zh-CN" sz="1600" dirty="0" smtClean="0">
+                          <a:latin typeface="+mn-ea"/>
+                        </a:rPr>
+                        <a:t>v</a:t>
+                      </a:r>
+                      <a:r>
+                        <a:rPr lang="zh-CN" altLang="en-US" sz="1600" dirty="0" smtClean="0">
+                          <a:latin typeface="+mn-ea"/>
+                        </a:rPr>
+                        <a:t>被选中，后续被提议的值只能是</a:t>
+                      </a:r>
+                      <a:r>
+                        <a:rPr lang="en-US" altLang="zh-CN" sz="1600" dirty="0" smtClean="0">
+                          <a:latin typeface="+mn-ea"/>
+                        </a:rPr>
+                        <a:t>v</a:t>
+                      </a:r>
+                      <a:endParaRPr lang="zh-CN" altLang="en-US" sz="1600" dirty="0" smtClean="0">
+                        <a:latin typeface="+mn-ea"/>
+                      </a:endParaRPr>
+                    </a:p>
+                    <a:p>
+                      <a:endParaRPr lang="zh-CN" altLang="en-US" sz="1600" dirty="0"/>
+                    </a:p>
+                  </a:txBody>
+                  <a:tcPr/>
+                </a:tc>
+                <a:tc>
+                  <a:txBody>
+                    <a:bodyPr/>
+                    <a:lstStyle/>
+                    <a:p>
+                      <a:endParaRPr lang="zh-CN" altLang="en-US" sz="1600" dirty="0"/>
+                    </a:p>
+                  </a:txBody>
+                  <a:tcPr/>
+                </a:tc>
+                <a:tc>
+                  <a:txBody>
+                    <a:bodyPr/>
+                    <a:lstStyle/>
+                    <a:p>
+                      <a:endParaRPr lang="zh-CN" altLang="en-US" sz="1600"/>
+                    </a:p>
+                  </a:txBody>
+                  <a:tcPr/>
+                </a:tc>
+              </a:tr>
+              <a:tr h="370840">
+                <a:tc>
+                  <a:txBody>
+                    <a:bodyPr/>
+                    <a:lstStyle/>
+                    <a:p>
+                      <a:pPr marL="0" marR="0" indent="0" algn="l" defTabSz="914400" rtl="0" eaLnBrk="1" fontAlgn="auto" latinLnBrk="0" hangingPunct="1">
+                        <a:lnSpc>
+                          <a:spcPct val="100000"/>
+                        </a:lnSpc>
+                        <a:spcBef>
+                          <a:spcPts val="0"/>
+                        </a:spcBef>
+                        <a:spcAft>
+                          <a:spcPts val="0"/>
+                        </a:spcAft>
+                        <a:buClrTx/>
+                        <a:buSzTx/>
+                        <a:buFontTx/>
+                        <a:buNone/>
+                        <a:tabLst/>
+                        <a:defRPr/>
+                      </a:pPr>
+                      <a:r>
+                        <a:rPr lang="zh-CN" altLang="en-US" sz="1600" dirty="0" smtClean="0">
+                          <a:latin typeface="+mn-ea"/>
+                        </a:rPr>
+                        <a:t>不变式</a:t>
+                      </a:r>
+                      <a:r>
+                        <a:rPr lang="en-US" altLang="zh-CN" sz="1600" dirty="0" smtClean="0">
+                          <a:latin typeface="+mn-ea"/>
+                        </a:rPr>
+                        <a:t>P2c: </a:t>
+                      </a:r>
+                      <a:r>
+                        <a:rPr lang="zh-CN" altLang="en-US" sz="1600" dirty="0" smtClean="0">
+                          <a:latin typeface="+mn-ea"/>
+                        </a:rPr>
+                        <a:t>在提议前，先获得某个多数派</a:t>
+                      </a:r>
+                      <a:r>
+                        <a:rPr lang="en-US" altLang="zh-CN" sz="1600" dirty="0" smtClean="0">
+                          <a:latin typeface="+mn-ea"/>
+                        </a:rPr>
+                        <a:t>M1</a:t>
+                      </a:r>
+                      <a:r>
+                        <a:rPr lang="zh-CN" altLang="en-US" sz="1600" dirty="0" smtClean="0">
+                          <a:latin typeface="+mn-ea"/>
+                        </a:rPr>
+                        <a:t>回应，若</a:t>
+                      </a:r>
+                      <a:r>
+                        <a:rPr lang="en-US" altLang="zh-CN" sz="1600" dirty="0" smtClean="0">
+                          <a:latin typeface="+mn-ea"/>
+                        </a:rPr>
+                        <a:t>M1</a:t>
+                      </a:r>
+                      <a:r>
+                        <a:rPr lang="zh-CN" altLang="en-US" sz="1600" dirty="0" smtClean="0">
+                          <a:latin typeface="+mn-ea"/>
+                        </a:rPr>
+                        <a:t>中的</a:t>
+                      </a:r>
+                      <a:r>
+                        <a:rPr lang="en-US" altLang="zh-CN" sz="1600" dirty="0" smtClean="0">
+                          <a:latin typeface="+mn-ea"/>
+                        </a:rPr>
+                        <a:t>Voter</a:t>
+                      </a:r>
+                      <a:r>
+                        <a:rPr lang="zh-CN" altLang="en-US" sz="1600" dirty="0" smtClean="0">
+                          <a:latin typeface="+mn-ea"/>
+                        </a:rPr>
+                        <a:t>都没有接受过任何值，那么之前一定没有选定任何值。否则，取其中</a:t>
+                      </a:r>
+                      <a:r>
+                        <a:rPr lang="en-US" altLang="zh-CN" sz="1600" dirty="0" smtClean="0">
+                          <a:latin typeface="+mn-ea"/>
+                        </a:rPr>
+                        <a:t>PN</a:t>
+                      </a:r>
+                      <a:r>
+                        <a:rPr lang="zh-CN" altLang="en-US" sz="1600" dirty="0" smtClean="0">
+                          <a:latin typeface="+mn-ea"/>
+                        </a:rPr>
+                        <a:t>最大的值去提议。如果每次提议都满足</a:t>
+                      </a:r>
+                      <a:r>
+                        <a:rPr lang="en-US" altLang="zh-CN" sz="1600" dirty="0" smtClean="0">
+                          <a:latin typeface="+mn-ea"/>
+                        </a:rPr>
+                        <a:t>P2c</a:t>
+                      </a:r>
+                      <a:r>
+                        <a:rPr lang="zh-CN" altLang="en-US" sz="1600" dirty="0" smtClean="0">
+                          <a:latin typeface="+mn-ea"/>
+                        </a:rPr>
+                        <a:t>，那么归纳法证明可满足</a:t>
+                      </a:r>
+                      <a:r>
+                        <a:rPr lang="en-US" altLang="zh-CN" sz="1600" dirty="0" smtClean="0">
+                          <a:latin typeface="+mn-ea"/>
+                        </a:rPr>
+                        <a:t>P2b</a:t>
+                      </a:r>
+                      <a:r>
+                        <a:rPr lang="zh-CN" altLang="en-US" sz="1600" dirty="0" smtClean="0">
+                          <a:latin typeface="+mn-ea"/>
+                        </a:rPr>
+                        <a:t>。</a:t>
+                      </a:r>
+                    </a:p>
+                    <a:p>
+                      <a:endParaRPr lang="zh-CN" altLang="en-US" sz="1600" dirty="0"/>
+                    </a:p>
+                  </a:txBody>
+                  <a:tcPr/>
+                </a:tc>
+                <a:tc>
+                  <a:txBody>
+                    <a:bodyPr/>
+                    <a:lstStyle/>
+                    <a:p>
+                      <a:r>
+                        <a:rPr lang="zh-CN" altLang="en-US" sz="1600" dirty="0" smtClean="0"/>
+                        <a:t>对应</a:t>
+                      </a:r>
+                      <a:r>
+                        <a:rPr lang="en-US" altLang="zh-CN" sz="1600" dirty="0" err="1" smtClean="0"/>
+                        <a:t>Paxos</a:t>
+                      </a:r>
+                      <a:r>
+                        <a:rPr lang="zh-CN" altLang="en-US" sz="1600" dirty="0" smtClean="0"/>
+                        <a:t>中的</a:t>
+                      </a:r>
+                      <a:r>
+                        <a:rPr lang="en-US" altLang="zh-CN" sz="1600" smtClean="0"/>
+                        <a:t>Phase2a</a:t>
+                      </a:r>
+                      <a:endParaRPr lang="zh-CN" altLang="en-US" sz="1600" dirty="0"/>
+                    </a:p>
+                  </a:txBody>
+                  <a:tcPr/>
+                </a:tc>
+                <a:tc>
+                  <a:txBody>
+                    <a:bodyPr/>
+                    <a:lstStyle/>
+                    <a:p>
+                      <a:endParaRPr lang="zh-CN" altLang="en-US" sz="1600" dirty="0"/>
+                    </a:p>
+                  </a:txBody>
+                  <a:tcPr/>
+                </a:tc>
+              </a:tr>
+              <a:tr h="370840">
+                <a:tc>
+                  <a:txBody>
+                    <a:bodyPr/>
+                    <a:lstStyle/>
+                    <a:p>
+                      <a:endParaRPr lang="zh-CN" altLang="en-US" sz="1600"/>
+                    </a:p>
+                  </a:txBody>
+                  <a:tcPr/>
+                </a:tc>
+                <a:tc>
+                  <a:txBody>
+                    <a:bodyPr/>
+                    <a:lstStyle/>
+                    <a:p>
+                      <a:endParaRPr lang="zh-CN" altLang="en-US" sz="1600"/>
+                    </a:p>
+                  </a:txBody>
+                  <a:tcPr/>
+                </a:tc>
+                <a:tc>
+                  <a:txBody>
+                    <a:bodyPr/>
+                    <a:lstStyle/>
+                    <a:p>
+                      <a:endParaRPr lang="zh-CN" altLang="en-US" sz="1600" dirty="0"/>
+                    </a:p>
+                  </a:txBody>
+                  <a:tcPr/>
+                </a:tc>
+              </a:tr>
+              <a:tr h="370840">
+                <a:tc>
+                  <a:txBody>
+                    <a:bodyPr/>
+                    <a:lstStyle/>
+                    <a:p>
+                      <a:endParaRPr lang="zh-CN" altLang="en-US" sz="1600"/>
+                    </a:p>
+                  </a:txBody>
+                  <a:tcPr/>
+                </a:tc>
+                <a:tc>
+                  <a:txBody>
+                    <a:bodyPr/>
+                    <a:lstStyle/>
+                    <a:p>
+                      <a:endParaRPr lang="zh-CN" altLang="en-US" sz="1600"/>
+                    </a:p>
+                  </a:txBody>
+                  <a:tcPr/>
+                </a:tc>
+                <a:tc>
+                  <a:txBody>
+                    <a:bodyPr/>
+                    <a:lstStyle/>
+                    <a:p>
+                      <a:endParaRPr lang="zh-CN" altLang="en-US" sz="1600" dirty="0"/>
+                    </a:p>
+                  </a:txBody>
+                  <a:tcPr/>
+                </a:tc>
+              </a:tr>
+            </a:tbl>
+          </a:graphicData>
+        </a:graphic>
+      </p:graphicFrame>
     </p:spTree>
   </p:cSld>
   <p:clrMapOvr>
